--- a/初始思路.pptx
+++ b/初始思路.pptx
@@ -200,7 +200,7 @@
           <a:p>
             <a:fld id="{9DF25534-0F8C-423E-B490-11ABBC330AD9}" type="datetimeFigureOut">
               <a:rPr lang="zh-CN" altLang="en-US" smtClean="0"/>
-              <a:t>2021/5/30</a:t>
+              <a:t>2021/6/2</a:t>
             </a:fld>
             <a:endParaRPr lang="zh-CN" altLang="en-US"/>
           </a:p>
@@ -4046,7 +4046,7 @@
         </p:nvSpPr>
         <p:spPr>
           <a:xfrm>
-            <a:off x="8724999" y="2836718"/>
+            <a:off x="4051531" y="2882438"/>
             <a:ext cx="2867891" cy="369332"/>
           </a:xfrm>
           <a:prstGeom prst="rect">
